--- a/Document/16_01/final.pptx
+++ b/Document/16_01/final.pptx
@@ -337,11 +337,11 @@
           <c:showBubbleSize val="0"/>
         </c:dLbls>
         <c:gapWidth val="150"/>
-        <c:axId val="167056512"/>
-        <c:axId val="167397248"/>
+        <c:axId val="183146368"/>
+        <c:axId val="183147904"/>
       </c:barChart>
       <c:catAx>
-        <c:axId val="167056512"/>
+        <c:axId val="183146368"/>
         <c:scaling>
           <c:orientation val="minMax"/>
         </c:scaling>
@@ -369,7 +369,7 @@
             <a:endParaRPr lang="en-US"/>
           </a:p>
         </c:txPr>
-        <c:crossAx val="167397248"/>
+        <c:crossAx val="183147904"/>
         <c:crosses val="autoZero"/>
         <c:auto val="1"/>
         <c:lblAlgn val="ctr"/>
@@ -377,7 +377,7 @@
         <c:noMultiLvlLbl val="0"/>
       </c:catAx>
       <c:valAx>
-        <c:axId val="167397248"/>
+        <c:axId val="183147904"/>
         <c:scaling>
           <c:orientation val="minMax"/>
         </c:scaling>
@@ -425,7 +425,7 @@
             <a:endParaRPr lang="en-US"/>
           </a:p>
         </c:txPr>
-        <c:crossAx val="167056512"/>
+        <c:crossAx val="183146368"/>
         <c:crosses val="autoZero"/>
         <c:crossBetween val="between"/>
       </c:valAx>
@@ -676,11 +676,11 @@
           <c:showBubbleSize val="0"/>
         </c:dLbls>
         <c:gapWidth val="150"/>
-        <c:axId val="167879040"/>
-        <c:axId val="167880960"/>
+        <c:axId val="184180096"/>
+        <c:axId val="184190080"/>
       </c:barChart>
       <c:catAx>
-        <c:axId val="167879040"/>
+        <c:axId val="184180096"/>
         <c:scaling>
           <c:orientation val="minMax"/>
         </c:scaling>
@@ -717,7 +717,7 @@
             <a:endParaRPr lang="en-US"/>
           </a:p>
         </c:txPr>
-        <c:crossAx val="167880960"/>
+        <c:crossAx val="184190080"/>
         <c:crosses val="autoZero"/>
         <c:auto val="1"/>
         <c:lblAlgn val="ctr"/>
@@ -725,7 +725,7 @@
         <c:noMultiLvlLbl val="0"/>
       </c:catAx>
       <c:valAx>
-        <c:axId val="167880960"/>
+        <c:axId val="184190080"/>
         <c:scaling>
           <c:orientation val="minMax"/>
         </c:scaling>
@@ -773,7 +773,7 @@
             <a:endParaRPr lang="en-US"/>
           </a:p>
         </c:txPr>
-        <c:crossAx val="167879040"/>
+        <c:crossAx val="184180096"/>
         <c:crosses val="autoZero"/>
         <c:crossBetween val="between"/>
       </c:valAx>
@@ -893,7 +893,7 @@
           <a:p>
             <a:fld id="{479263C4-564D-4648-8085-A0505A8FE965}" type="datetimeFigureOut">
               <a:rPr lang="en-US" smtClean="0"/>
-              <a:t>12/01/2021</a:t>
+              <a:t>1/13/2021</a:t>
             </a:fld>
             <a:endParaRPr lang="en-US"/>
           </a:p>
@@ -1310,31 +1310,7 @@
                 <a:latin typeface="Times New Roman" panose="02020603050405020304" pitchFamily="18" charset="0"/>
                 <a:cs typeface="Times New Roman" panose="02020603050405020304" pitchFamily="18" charset="0"/>
               </a:rPr>
-              <a:t>TP.HCM</a:t>
-            </a:r>
-            <a:r>
-              <a:rPr lang="en-US" sz="1800" dirty="0" smtClean="0">
-                <a:solidFill>
-                  <a:schemeClr val="tx2">
-                    <a:lumMod val="50000"/>
-                  </a:schemeClr>
-                </a:solidFill>
-                <a:latin typeface="Times New Roman" panose="02020603050405020304" pitchFamily="18" charset="0"/>
-                <a:cs typeface="Times New Roman" panose="02020603050405020304" pitchFamily="18" charset="0"/>
-              </a:rPr>
-              <a:t>, </a:t>
-            </a:r>
-            <a:r>
-              <a:rPr lang="en-US" sz="1800" dirty="0" smtClean="0">
-                <a:solidFill>
-                  <a:schemeClr val="tx2">
-                    <a:lumMod val="50000"/>
-                  </a:schemeClr>
-                </a:solidFill>
-                <a:latin typeface="Times New Roman" panose="02020603050405020304" pitchFamily="18" charset="0"/>
-                <a:cs typeface="Times New Roman" panose="02020603050405020304" pitchFamily="18" charset="0"/>
-              </a:rPr>
-              <a:t>17/01/2021</a:t>
+              <a:t>TP.HCM, 17/01/2021</a:t>
             </a:r>
             <a:endParaRPr lang="en-US" sz="1800" dirty="0">
               <a:solidFill>
@@ -1473,17 +1449,7 @@
                 <a:latin typeface="Times New Roman" panose="02020603050405020304" pitchFamily="18" charset="0"/>
                 <a:cs typeface="Times New Roman" panose="02020603050405020304" pitchFamily="18" charset="0"/>
               </a:rPr>
-              <a:t>HƯỚNG DẪN:     TS </a:t>
-            </a:r>
-            <a:r>
-              <a:rPr lang="en-US" sz="2400" b="1" dirty="0" smtClean="0">
-                <a:solidFill>
-                  <a:schemeClr val="bg1"/>
-                </a:solidFill>
-                <a:latin typeface="Times New Roman" panose="02020603050405020304" pitchFamily="18" charset="0"/>
-                <a:cs typeface="Times New Roman" panose="02020603050405020304" pitchFamily="18" charset="0"/>
-              </a:rPr>
-              <a:t>LÊ THỊ NGỌC THƠ</a:t>
+              <a:t>HƯỚNG DẪN:     TS LÊ THỊ NGỌC THƠ</a:t>
             </a:r>
           </a:p>
           <a:p>
@@ -1502,17 +1468,7 @@
                 <a:latin typeface="Times New Roman" panose="02020603050405020304" pitchFamily="18" charset="0"/>
                 <a:cs typeface="Times New Roman" panose="02020603050405020304" pitchFamily="18" charset="0"/>
               </a:rPr>
-              <a:t>HỌC VIÊN THỰC </a:t>
-            </a:r>
-            <a:r>
-              <a:rPr lang="en-US" sz="2400" b="1" dirty="0" smtClean="0">
-                <a:solidFill>
-                  <a:schemeClr val="bg1"/>
-                </a:solidFill>
-                <a:latin typeface="Times New Roman" panose="02020603050405020304" pitchFamily="18" charset="0"/>
-                <a:cs typeface="Times New Roman" panose="02020603050405020304" pitchFamily="18" charset="0"/>
-              </a:rPr>
-              <a:t>HIỆN:   </a:t>
+              <a:t>HỌC VIÊN THỰC HIỆN:   </a:t>
             </a:r>
             <a:r>
               <a:rPr lang="en-US" sz="2400" b="1" dirty="0">
@@ -3820,19 +3776,7 @@
                 <a:latin typeface="Times New Roman" pitchFamily="18" charset="0"/>
                 <a:cs typeface="Times New Roman" pitchFamily="18" charset="0"/>
               </a:rPr>
-              <a:t>Phân tích cảm </a:t>
-            </a:r>
-            <a:r>
-              <a:rPr lang="en-US" sz="2800" b="1" dirty="0" smtClean="0">
-                <a:solidFill>
-                  <a:schemeClr val="tx2">
-                    <a:lumMod val="50000"/>
-                  </a:schemeClr>
-                </a:solidFill>
-                <a:latin typeface="Times New Roman" pitchFamily="18" charset="0"/>
-                <a:cs typeface="Times New Roman" pitchFamily="18" charset="0"/>
-              </a:rPr>
-              <a:t>xúc (tiếp theo)</a:t>
+              <a:t>Phân tích cảm xúc (tiếp theo)</a:t>
             </a:r>
             <a:endParaRPr lang="en-US" sz="2800" b="1" dirty="0">
               <a:solidFill>
@@ -4307,15 +4251,6 @@
               </a:rPr>
               <a:t>xúc (tiếp theo)</a:t>
             </a:r>
-            <a:endParaRPr lang="en-US" sz="2800" b="1" dirty="0">
-              <a:solidFill>
-                <a:schemeClr val="tx2">
-                  <a:lumMod val="50000"/>
-                </a:schemeClr>
-              </a:solidFill>
-              <a:latin typeface="Times New Roman" pitchFamily="18" charset="0"/>
-              <a:cs typeface="Times New Roman" pitchFamily="18" charset="0"/>
-            </a:endParaRPr>
           </a:p>
         </p:txBody>
       </p:sp>
@@ -4468,15 +4403,6 @@
               </a:rPr>
               <a:t>xúc (tiếp theo)</a:t>
             </a:r>
-            <a:endParaRPr lang="en-US" sz="2800" b="1" dirty="0">
-              <a:solidFill>
-                <a:schemeClr val="tx2">
-                  <a:lumMod val="50000"/>
-                </a:schemeClr>
-              </a:solidFill>
-              <a:latin typeface="Times New Roman" pitchFamily="18" charset="0"/>
-              <a:cs typeface="Times New Roman" pitchFamily="18" charset="0"/>
-            </a:endParaRPr>
           </a:p>
         </p:txBody>
       </p:sp>
@@ -4697,15 +4623,6 @@
               </a:rPr>
               <a:t>xúc (tiếp theo)</a:t>
             </a:r>
-            <a:endParaRPr lang="en-US" sz="2800" b="1" dirty="0">
-              <a:solidFill>
-                <a:schemeClr val="tx2">
-                  <a:lumMod val="50000"/>
-                </a:schemeClr>
-              </a:solidFill>
-              <a:latin typeface="Times New Roman" pitchFamily="18" charset="0"/>
-              <a:cs typeface="Times New Roman" pitchFamily="18" charset="0"/>
-            </a:endParaRPr>
           </a:p>
         </p:txBody>
       </p:sp>
@@ -7726,7 +7643,7 @@
         </p:nvGraphicFramePr>
         <p:xfrm>
           <a:off x="304800" y="1144211"/>
-          <a:ext cx="8534400" cy="4342189"/>
+          <a:ext cx="8534400" cy="4373879"/>
         </p:xfrm>
         <a:graphic>
           <a:graphicData uri="http://schemas.openxmlformats.org/drawingml/2006/table">
@@ -8951,19 +8868,7 @@
                 <a:latin typeface="Times New Roman" pitchFamily="18" charset="0"/>
                 <a:cs typeface="Times New Roman" pitchFamily="18" charset="0"/>
               </a:rPr>
-              <a:t>Dữ liệu sau khi được tiền xử lý và gán </a:t>
-            </a:r>
-            <a:r>
-              <a:rPr lang="en-US" b="1" dirty="0" smtClean="0">
-                <a:solidFill>
-                  <a:schemeClr val="tx2">
-                    <a:lumMod val="50000"/>
-                  </a:schemeClr>
-                </a:solidFill>
-                <a:latin typeface="Times New Roman" pitchFamily="18" charset="0"/>
-                <a:cs typeface="Times New Roman" pitchFamily="18" charset="0"/>
-              </a:rPr>
-              <a:t>nhãn.</a:t>
+              <a:t>Dữ liệu sau khi được tiền xử lý và gán nhãn.</a:t>
             </a:r>
             <a:endParaRPr lang="en-US" b="1" dirty="0">
               <a:solidFill>
@@ -9096,7 +9001,7 @@
         </p:nvGraphicFramePr>
         <p:xfrm>
           <a:off x="304803" y="838200"/>
-          <a:ext cx="8458199" cy="5263175"/>
+          <a:ext cx="8458199" cy="5289229"/>
         </p:xfrm>
         <a:graphic>
           <a:graphicData uri="http://schemas.openxmlformats.org/drawingml/2006/table">
@@ -21398,7 +21303,7 @@
         </p:nvGraphicFramePr>
         <p:xfrm>
           <a:off x="609599" y="1219200"/>
-          <a:ext cx="7765143" cy="4040098"/>
+          <a:ext cx="7765143" cy="4105820"/>
         </p:xfrm>
         <a:graphic>
           <a:graphicData uri="http://schemas.openxmlformats.org/drawingml/2006/table">
@@ -26082,12 +25987,12 @@
           </a:bodyPr>
           <a:lstStyle/>
           <a:p>
-            <a:pPr marL="342900" indent="-342900">
+            <a:pPr marL="457200" indent="-457200">
               <a:lnSpc>
                 <a:spcPct val="150000"/>
               </a:lnSpc>
               <a:buFont typeface="Wingdings" pitchFamily="2" charset="2"/>
-              <a:buChar char="q"/>
+              <a:buChar char="v"/>
             </a:pPr>
             <a:r>
               <a:rPr lang="en-US" sz="2400" dirty="0">
@@ -26160,12 +26065,12 @@
             </a:endParaRPr>
           </a:p>
           <a:p>
-            <a:pPr marL="342900" indent="-342900">
+            <a:pPr marL="457200" indent="-457200">
               <a:lnSpc>
                 <a:spcPct val="150000"/>
               </a:lnSpc>
               <a:buFont typeface="Wingdings" pitchFamily="2" charset="2"/>
-              <a:buChar char="q"/>
+              <a:buChar char="v"/>
             </a:pPr>
             <a:endParaRPr lang="en-US" sz="2400" dirty="0">
               <a:solidFill>
@@ -26178,12 +26083,12 @@
             </a:endParaRPr>
           </a:p>
           <a:p>
-            <a:pPr marL="342900" indent="-342900">
+            <a:pPr marL="457200" indent="-457200">
               <a:lnSpc>
                 <a:spcPct val="150000"/>
               </a:lnSpc>
               <a:buFont typeface="Wingdings" pitchFamily="2" charset="2"/>
-              <a:buChar char="q"/>
+              <a:buChar char="v"/>
             </a:pPr>
             <a:r>
               <a:rPr lang="en-US" sz="2400" dirty="0">
@@ -26444,7 +26349,7 @@
                 <a:spcPct val="150000"/>
               </a:lnSpc>
               <a:buFont typeface="Wingdings" pitchFamily="2" charset="2"/>
-              <a:buChar char="q"/>
+              <a:buChar char="v"/>
             </a:pPr>
             <a:r>
               <a:rPr lang="vi-VN" sz="2400" dirty="0" smtClean="0">
@@ -26642,7 +26547,7 @@
                 <a:spcPct val="150000"/>
               </a:lnSpc>
               <a:buFont typeface="Wingdings" pitchFamily="2" charset="2"/>
-              <a:buChar char="q"/>
+              <a:buChar char="v"/>
             </a:pPr>
             <a:endParaRPr lang="en-US" sz="2400" dirty="0">
               <a:solidFill>
@@ -26660,7 +26565,7 @@
                 <a:spcPct val="150000"/>
               </a:lnSpc>
               <a:buFont typeface="Wingdings" pitchFamily="2" charset="2"/>
-              <a:buChar char="q"/>
+              <a:buChar char="v"/>
             </a:pPr>
             <a:r>
               <a:rPr lang="vi-VN" sz="2400" dirty="0" smtClean="0">
@@ -27769,7 +27674,7 @@
                 <a:spcPct val="200000"/>
               </a:lnSpc>
               <a:buFont typeface="Wingdings" pitchFamily="2" charset="2"/>
-              <a:buChar char="q"/>
+              <a:buChar char="v"/>
             </a:pPr>
             <a:r>
               <a:rPr lang="vi-VN" sz="2400" dirty="0" smtClean="0">
@@ -27811,7 +27716,7 @@
                 <a:spcPct val="200000"/>
               </a:lnSpc>
               <a:buFont typeface="Wingdings" pitchFamily="2" charset="2"/>
-              <a:buChar char="q"/>
+              <a:buChar char="v"/>
             </a:pPr>
             <a:r>
               <a:rPr lang="vi-VN" sz="2400" dirty="0">
@@ -27841,7 +27746,7 @@
                 <a:spcPct val="200000"/>
               </a:lnSpc>
               <a:buFont typeface="Wingdings" pitchFamily="2" charset="2"/>
-              <a:buChar char="q"/>
+              <a:buChar char="v"/>
             </a:pPr>
             <a:r>
               <a:rPr lang="vi-VN" sz="2400" dirty="0">
@@ -28042,7 +27947,7 @@
                 <a:spcPct val="200000"/>
               </a:lnSpc>
               <a:buFont typeface="Wingdings" pitchFamily="2" charset="2"/>
-              <a:buChar char="q"/>
+              <a:buChar char="v"/>
             </a:pPr>
             <a:r>
               <a:rPr lang="vi-VN" sz="2400" dirty="0" smtClean="0">
@@ -28120,7 +28025,7 @@
                 <a:spcPct val="200000"/>
               </a:lnSpc>
               <a:buFont typeface="Wingdings" pitchFamily="2" charset="2"/>
-              <a:buChar char="q"/>
+              <a:buChar char="v"/>
             </a:pPr>
             <a:r>
               <a:rPr lang="vi-VN" sz="2400" dirty="0">
@@ -28150,7 +28055,7 @@
                 <a:spcPct val="200000"/>
               </a:lnSpc>
               <a:buFont typeface="Wingdings" pitchFamily="2" charset="2"/>
-              <a:buChar char="q"/>
+              <a:buChar char="v"/>
             </a:pPr>
             <a:r>
               <a:rPr lang="vi-VN" sz="2400" dirty="0">
@@ -28337,7 +28242,7 @@
         <p:spPr>
           <a:xfrm>
             <a:off x="304801" y="1600200"/>
-            <a:ext cx="8458200" cy="2862322"/>
+            <a:ext cx="8458200" cy="3785652"/>
           </a:xfrm>
           <a:prstGeom prst="rect">
             <a:avLst/>
@@ -28351,7 +28256,7 @@
           <a:p>
             <a:pPr>
               <a:lnSpc>
-                <a:spcPct val="150000"/>
+                <a:spcPct val="200000"/>
               </a:lnSpc>
             </a:pPr>
             <a:r>
@@ -28403,10 +28308,10 @@
           <a:p>
             <a:pPr marL="342900" lvl="0" indent="-342900">
               <a:lnSpc>
-                <a:spcPct val="150000"/>
+                <a:spcPct val="200000"/>
               </a:lnSpc>
               <a:buFont typeface="Wingdings" pitchFamily="2" charset="2"/>
-              <a:buChar char="q"/>
+              <a:buChar char="v"/>
             </a:pPr>
             <a:r>
               <a:rPr lang="vi-VN" sz="2400" dirty="0" smtClean="0">
@@ -28433,10 +28338,10 @@
           <a:p>
             <a:pPr marL="342900" indent="-342900">
               <a:lnSpc>
-                <a:spcPct val="150000"/>
+                <a:spcPct val="200000"/>
               </a:lnSpc>
               <a:buFont typeface="Wingdings" pitchFamily="2" charset="2"/>
-              <a:buChar char="q"/>
+              <a:buChar char="v"/>
             </a:pPr>
             <a:r>
               <a:rPr lang="vi-VN" sz="2400" dirty="0" smtClean="0">
@@ -28797,15 +28702,6 @@
               </a:rPr>
               <a:t>Thông tin phản hồi sản phẩm tại các trang bán hàng trực tuyến</a:t>
             </a:r>
-            <a:endParaRPr lang="vi-VN" sz="2300" dirty="0">
-              <a:solidFill>
-                <a:schemeClr val="tx2">
-                  <a:lumMod val="50000"/>
-                </a:schemeClr>
-              </a:solidFill>
-              <a:latin typeface="Times New Roman" pitchFamily="18" charset="0"/>
-              <a:cs typeface="Times New Roman" pitchFamily="18" charset="0"/>
-            </a:endParaRPr>
           </a:p>
         </p:txBody>
       </p:sp>
@@ -29662,29 +29558,8 @@
                 <a:latin typeface="Times New Roman" pitchFamily="18" charset="0"/>
                 <a:cs typeface="Times New Roman" pitchFamily="18" charset="0"/>
               </a:rPr>
-              <a:t>Mục tiêu luận </a:t>
-            </a:r>
-            <a:r>
-              <a:rPr lang="en-US" sz="2800" b="1" dirty="0" smtClean="0">
-                <a:solidFill>
-                  <a:schemeClr val="tx2">
-                    <a:lumMod val="50000"/>
-                  </a:schemeClr>
-                </a:solidFill>
-                <a:latin typeface="Times New Roman" pitchFamily="18" charset="0"/>
-                <a:cs typeface="Times New Roman" pitchFamily="18" charset="0"/>
-              </a:rPr>
-              <a:t>văn</a:t>
-            </a:r>
-            <a:endParaRPr lang="en-US" sz="2800" b="1" dirty="0" smtClean="0">
-              <a:solidFill>
-                <a:schemeClr val="tx2">
-                  <a:lumMod val="50000"/>
-                </a:schemeClr>
-              </a:solidFill>
-              <a:latin typeface="Times New Roman" pitchFamily="18" charset="0"/>
-              <a:cs typeface="Times New Roman" pitchFamily="18" charset="0"/>
-            </a:endParaRPr>
+              <a:t>Mục tiêu luận văn</a:t>
+            </a:r>
           </a:p>
         </p:txBody>
       </p:sp>
@@ -30974,7 +30849,7 @@
   </a:extraClrSchemeLst>
   <a:extLst>
     <a:ext uri="{05A4C25C-085E-4340-85A3-A5531E510DB2}">
-      <thm15:themeFamily xmlns="" xmlns:thm15="http://schemas.microsoft.com/office/thememl/2012/main" name="574TGp_natural_light.potx" id="{66D8022D-6F9F-4C9B-94EF-88C6969B74D4}" vid="{FDA5D0AE-BF4D-42F2-A8C7-09CB49CD2508}"/>
+      <thm15:themeFamily xmlns:thm15="http://schemas.microsoft.com/office/thememl/2012/main" xmlns="" name="574TGp_natural_light.potx" id="{66D8022D-6F9F-4C9B-94EF-88C6969B74D4}" vid="{FDA5D0AE-BF4D-42F2-A8C7-09CB49CD2508}"/>
     </a:ext>
   </a:extLst>
 </a:theme>
